--- a/STM32_DOCS/STM32_keypad_interfacing.pptx
+++ b/STM32_DOCS/STM32_keypad_interfacing.pptx
@@ -125,7 +125,7 @@
   </p:defaultTextStyle>
   <p:extLst>
     <p:ext uri="{EFAFB233-063F-42B5-8137-9DF3F51BA10A}">
-      <p15:sldGuideLst xmlns:p15="http://schemas.microsoft.com/office/powerpoint/2012/main" xmlns=""/>
+      <p15:sldGuideLst xmlns="" xmlns:p15="http://schemas.microsoft.com/office/powerpoint/2012/main"/>
     </p:ext>
   </p:extLst>
 </p:presentation>
@@ -3631,12 +3631,20 @@
               <a:t>Keypad </a:t>
             </a:r>
             <a:r>
-              <a:rPr lang="en-US" b="1" dirty="0">
+              <a:rPr lang="en-US" b="1">
                 <a:solidFill>
                   <a:schemeClr val="accent1"/>
                 </a:solidFill>
               </a:rPr>
-              <a:t>with PIC16F877A Microcontroller</a:t>
+              <a:t>with </a:t>
+            </a:r>
+            <a:r>
+              <a:rPr lang="en-US" b="1" smtClean="0">
+                <a:solidFill>
+                  <a:schemeClr val="accent1"/>
+                </a:solidFill>
+              </a:rPr>
+              <a:t>STM32 Microcontroller</a:t>
             </a:r>
             <a:endParaRPr lang="en-IN" b="1" dirty="0">
               <a:solidFill>
@@ -8545,8 +8553,27 @@
                 </a:solidFill>
                 <a:latin typeface="Facto Bold" panose="00000800000000000000" pitchFamily="50" charset="0"/>
               </a:rPr>
-              <a:t>Connect the keypad to the PIC16F877A</a:t>
-            </a:r>
+              <a:t>Keypad </a:t>
+            </a:r>
+            <a:r>
+              <a:rPr lang="en-US" sz="2800" b="1" dirty="0" err="1" smtClean="0">
+                <a:solidFill>
+                  <a:schemeClr val="accent1">
+                    <a:lumMod val="75000"/>
+                  </a:schemeClr>
+                </a:solidFill>
+                <a:latin typeface="Facto Bold" panose="00000800000000000000" pitchFamily="50" charset="0"/>
+              </a:rPr>
+              <a:t>Pinouts</a:t>
+            </a:r>
+            <a:endParaRPr lang="en-US" sz="2800" b="1" dirty="0" smtClean="0">
+              <a:solidFill>
+                <a:schemeClr val="accent1">
+                  <a:lumMod val="75000"/>
+                </a:schemeClr>
+              </a:solidFill>
+              <a:latin typeface="Facto Bold" panose="00000800000000000000" pitchFamily="50" charset="0"/>
+            </a:endParaRPr>
           </a:p>
         </p:txBody>
       </p:sp>
@@ -13208,7 +13235,7 @@
   <a:extraClrSchemeLst/>
   <a:extLst>
     <a:ext uri="{05A4C25C-085E-4340-85A3-A5531E510DB2}">
-      <thm15:themeFamily xmlns:thm15="http://schemas.microsoft.com/office/thememl/2012/main" xmlns="" name="Office Theme" id="{62F939B6-93AF-4DB8-9C6B-D6C7DFDC589F}" vid="{4A3C46E8-61CC-4603-A589-7422A47A8E4A}"/>
+      <thm15:themeFamily xmlns="" xmlns:thm15="http://schemas.microsoft.com/office/thememl/2012/main" name="Office Theme" id="{62F939B6-93AF-4DB8-9C6B-D6C7DFDC589F}" vid="{4A3C46E8-61CC-4603-A589-7422A47A8E4A}"/>
     </a:ext>
   </a:extLst>
 </a:theme>
@@ -13469,7 +13496,7 @@
   <a:extraClrSchemeLst/>
   <a:extLst>
     <a:ext uri="{05A4C25C-085E-4340-85A3-A5531E510DB2}">
-      <thm15:themeFamily xmlns:thm15="http://schemas.microsoft.com/office/thememl/2012/main" xmlns="" name="Office Theme" id="{62F939B6-93AF-4DB8-9C6B-D6C7DFDC589F}" vid="{4A3C46E8-61CC-4603-A589-7422A47A8E4A}"/>
+      <thm15:themeFamily xmlns="" xmlns:thm15="http://schemas.microsoft.com/office/thememl/2012/main" name="Office Theme" id="{62F939B6-93AF-4DB8-9C6B-D6C7DFDC589F}" vid="{4A3C46E8-61CC-4603-A589-7422A47A8E4A}"/>
     </a:ext>
   </a:extLst>
 </a:theme>
@@ -13730,7 +13757,7 @@
   <a:extraClrSchemeLst/>
   <a:extLst>
     <a:ext uri="{05A4C25C-085E-4340-85A3-A5531E510DB2}">
-      <thm15:themeFamily xmlns:thm15="http://schemas.microsoft.com/office/thememl/2012/main" xmlns="" name="Office Theme" id="{62F939B6-93AF-4DB8-9C6B-D6C7DFDC589F}" vid="{4A3C46E8-61CC-4603-A589-7422A47A8E4A}"/>
+      <thm15:themeFamily xmlns="" xmlns:thm15="http://schemas.microsoft.com/office/thememl/2012/main" name="Office Theme" id="{62F939B6-93AF-4DB8-9C6B-D6C7DFDC589F}" vid="{4A3C46E8-61CC-4603-A589-7422A47A8E4A}"/>
     </a:ext>
   </a:extLst>
 </a:theme>
